--- a/Lab-11 (Dimentionality Reduction)/Dimensionality Reduction.pptx
+++ b/Lab-11 (Dimentionality Reduction)/Dimensionality Reduction.pptx
@@ -1006,9 +1006,16 @@
         <a:bodyPr/>
         <a:lstStyle/>
         <a:p>
+          <a:endParaRPr lang="en-US" b="1" dirty="0" smtClean="0"/>
+        </a:p>
+        <a:p>
           <a:r>
             <a:rPr lang="en-US" b="1" dirty="0" smtClean="0"/>
-            <a:t>t-Distributed Stochastic Neighbor Embedding</a:t>
+            <a:t>t-Distributed </a:t>
+          </a:r>
+          <a:r>
+            <a:rPr lang="en-US" b="1" dirty="0" smtClean="0"/>
+            <a:t>Stochastic Neighbor Embedding</a:t>
           </a:r>
         </a:p>
         <a:p>
@@ -1725,12 +1732,12 @@
         </a:fontRef>
       </dsp:style>
       <dsp:txBody>
-        <a:bodyPr spcFirstLastPara="0" vert="horz" wrap="square" lIns="12700" tIns="12700" rIns="12700" bIns="12700" numCol="1" spcCol="1270" anchor="ctr" anchorCtr="0">
+        <a:bodyPr spcFirstLastPara="0" vert="horz" wrap="square" lIns="12065" tIns="12065" rIns="12065" bIns="12065" numCol="1" spcCol="1270" anchor="ctr" anchorCtr="0">
           <a:noAutofit/>
         </a:bodyPr>
         <a:lstStyle/>
         <a:p>
-          <a:pPr lvl="0" algn="ctr" defTabSz="889000">
+          <a:pPr lvl="0" algn="ctr" defTabSz="844550">
             <a:lnSpc>
               <a:spcPct val="90000"/>
             </a:lnSpc>
@@ -1742,10 +1749,10 @@
             </a:spcAft>
           </a:pPr>
           <a:r>
-            <a:rPr lang="en-US" sz="2000" b="1" kern="1200" dirty="0" smtClean="0"/>
+            <a:rPr lang="en-US" sz="1900" b="1" kern="1200" dirty="0" smtClean="0"/>
             <a:t>Linear Discriminant Analysis (LDA)</a:t>
           </a:r>
-          <a:endParaRPr lang="en-US" sz="2000" b="1" kern="1200" dirty="0"/>
+          <a:endParaRPr lang="en-US" sz="1900" b="1" kern="1200" dirty="0"/>
         </a:p>
       </dsp:txBody>
       <dsp:txXfrm>
@@ -1803,12 +1810,26 @@
         </a:fontRef>
       </dsp:style>
       <dsp:txBody>
-        <a:bodyPr spcFirstLastPara="0" vert="horz" wrap="square" lIns="12700" tIns="12700" rIns="12700" bIns="12700" numCol="1" spcCol="1270" anchor="ctr" anchorCtr="0">
+        <a:bodyPr spcFirstLastPara="0" vert="horz" wrap="square" lIns="12065" tIns="12065" rIns="12065" bIns="12065" numCol="1" spcCol="1270" anchor="ctr" anchorCtr="0">
           <a:noAutofit/>
         </a:bodyPr>
         <a:lstStyle/>
         <a:p>
-          <a:pPr lvl="0" algn="ctr" defTabSz="889000">
+          <a:pPr lvl="0" algn="ctr" defTabSz="844550">
+            <a:lnSpc>
+              <a:spcPct val="90000"/>
+            </a:lnSpc>
+            <a:spcBef>
+              <a:spcPct val="0"/>
+            </a:spcBef>
+            <a:spcAft>
+              <a:spcPct val="35000"/>
+            </a:spcAft>
+          </a:pPr>
+          <a:endParaRPr lang="en-US" sz="1900" b="1" kern="1200" dirty="0" smtClean="0"/>
+        </a:p>
+        <a:p>
+          <a:pPr lvl="0" algn="ctr" defTabSz="844550">
             <a:lnSpc>
               <a:spcPct val="90000"/>
             </a:lnSpc>
@@ -1820,12 +1841,16 @@
             </a:spcAft>
           </a:pPr>
           <a:r>
-            <a:rPr lang="en-US" sz="2000" b="1" kern="1200" dirty="0" smtClean="0"/>
-            <a:t>t-Distributed Stochastic Neighbor Embedding</a:t>
+            <a:rPr lang="en-US" sz="1900" b="1" kern="1200" dirty="0" smtClean="0"/>
+            <a:t>t-Distributed </a:t>
+          </a:r>
+          <a:r>
+            <a:rPr lang="en-US" sz="1900" b="1" kern="1200" dirty="0" smtClean="0"/>
+            <a:t>Stochastic Neighbor Embedding</a:t>
           </a:r>
         </a:p>
         <a:p>
-          <a:pPr lvl="0" algn="ctr" defTabSz="889000">
+          <a:pPr lvl="0" algn="ctr" defTabSz="844550">
             <a:lnSpc>
               <a:spcPct val="90000"/>
             </a:lnSpc>
@@ -1836,7 +1861,7 @@
               <a:spcPct val="35000"/>
             </a:spcAft>
           </a:pPr>
-          <a:endParaRPr lang="en-US" sz="2000" kern="1200" dirty="0"/>
+          <a:endParaRPr lang="en-US" sz="1900" kern="1200" dirty="0"/>
         </a:p>
       </dsp:txBody>
       <dsp:txXfrm>
@@ -4159,7 +4184,7 @@
           <a:p>
             <a:fld id="{0CE513B3-EE97-4DE5-88E4-46769808739B}" type="datetimeFigureOut">
               <a:rPr lang="en-US" smtClean="0"/>
-              <a:t>11/20/2024</a:t>
+              <a:t>11/23/2024</a:t>
             </a:fld>
             <a:endParaRPr lang="en-US"/>
           </a:p>
@@ -4329,7 +4354,7 @@
           <a:p>
             <a:fld id="{0CE513B3-EE97-4DE5-88E4-46769808739B}" type="datetimeFigureOut">
               <a:rPr lang="en-US" smtClean="0"/>
-              <a:t>11/20/2024</a:t>
+              <a:t>11/23/2024</a:t>
             </a:fld>
             <a:endParaRPr lang="en-US"/>
           </a:p>
@@ -4509,7 +4534,7 @@
           <a:p>
             <a:fld id="{0CE513B3-EE97-4DE5-88E4-46769808739B}" type="datetimeFigureOut">
               <a:rPr lang="en-US" smtClean="0"/>
-              <a:t>11/20/2024</a:t>
+              <a:t>11/23/2024</a:t>
             </a:fld>
             <a:endParaRPr lang="en-US"/>
           </a:p>
@@ -4679,7 +4704,7 @@
           <a:p>
             <a:fld id="{0CE513B3-EE97-4DE5-88E4-46769808739B}" type="datetimeFigureOut">
               <a:rPr lang="en-US" smtClean="0"/>
-              <a:t>11/20/2024</a:t>
+              <a:t>11/23/2024</a:t>
             </a:fld>
             <a:endParaRPr lang="en-US"/>
           </a:p>
@@ -4925,7 +4950,7 @@
           <a:p>
             <a:fld id="{0CE513B3-EE97-4DE5-88E4-46769808739B}" type="datetimeFigureOut">
               <a:rPr lang="en-US" smtClean="0"/>
-              <a:t>11/20/2024</a:t>
+              <a:t>11/23/2024</a:t>
             </a:fld>
             <a:endParaRPr lang="en-US"/>
           </a:p>
@@ -5157,7 +5182,7 @@
           <a:p>
             <a:fld id="{0CE513B3-EE97-4DE5-88E4-46769808739B}" type="datetimeFigureOut">
               <a:rPr lang="en-US" smtClean="0"/>
-              <a:t>11/20/2024</a:t>
+              <a:t>11/23/2024</a:t>
             </a:fld>
             <a:endParaRPr lang="en-US"/>
           </a:p>
@@ -5524,7 +5549,7 @@
           <a:p>
             <a:fld id="{0CE513B3-EE97-4DE5-88E4-46769808739B}" type="datetimeFigureOut">
               <a:rPr lang="en-US" smtClean="0"/>
-              <a:t>11/20/2024</a:t>
+              <a:t>11/23/2024</a:t>
             </a:fld>
             <a:endParaRPr lang="en-US"/>
           </a:p>
@@ -5642,7 +5667,7 @@
           <a:p>
             <a:fld id="{0CE513B3-EE97-4DE5-88E4-46769808739B}" type="datetimeFigureOut">
               <a:rPr lang="en-US" smtClean="0"/>
-              <a:t>11/20/2024</a:t>
+              <a:t>11/23/2024</a:t>
             </a:fld>
             <a:endParaRPr lang="en-US"/>
           </a:p>
@@ -5737,7 +5762,7 @@
           <a:p>
             <a:fld id="{0CE513B3-EE97-4DE5-88E4-46769808739B}" type="datetimeFigureOut">
               <a:rPr lang="en-US" smtClean="0"/>
-              <a:t>11/20/2024</a:t>
+              <a:t>11/23/2024</a:t>
             </a:fld>
             <a:endParaRPr lang="en-US"/>
           </a:p>
@@ -6014,7 +6039,7 @@
           <a:p>
             <a:fld id="{0CE513B3-EE97-4DE5-88E4-46769808739B}" type="datetimeFigureOut">
               <a:rPr lang="en-US" smtClean="0"/>
-              <a:t>11/20/2024</a:t>
+              <a:t>11/23/2024</a:t>
             </a:fld>
             <a:endParaRPr lang="en-US"/>
           </a:p>
@@ -6267,7 +6292,7 @@
           <a:p>
             <a:fld id="{0CE513B3-EE97-4DE5-88E4-46769808739B}" type="datetimeFigureOut">
               <a:rPr lang="en-US" smtClean="0"/>
-              <a:t>11/20/2024</a:t>
+              <a:t>11/23/2024</a:t>
             </a:fld>
             <a:endParaRPr lang="en-US"/>
           </a:p>
@@ -6480,7 +6505,7 @@
           <a:p>
             <a:fld id="{0CE513B3-EE97-4DE5-88E4-46769808739B}" type="datetimeFigureOut">
               <a:rPr lang="en-US" smtClean="0"/>
-              <a:t>11/20/2024</a:t>
+              <a:t>11/23/2024</a:t>
             </a:fld>
             <a:endParaRPr lang="en-US"/>
           </a:p>
@@ -9864,6 +9889,1078 @@
   <p:clrMapOvr>
     <a:masterClrMapping/>
   </p:clrMapOvr>
+  <p:timing>
+    <p:tnLst>
+      <p:par>
+        <p:cTn id="1" dur="indefinite" restart="never" nodeType="tmRoot">
+          <p:childTnLst>
+            <p:seq concurrent="1" nextAc="seek">
+              <p:cTn id="2" dur="indefinite" nodeType="mainSeq">
+                <p:childTnLst>
+                  <p:par>
+                    <p:cTn id="3" fill="hold">
+                      <p:stCondLst>
+                        <p:cond delay="indefinite"/>
+                      </p:stCondLst>
+                      <p:childTnLst>
+                        <p:par>
+                          <p:cTn id="4" fill="hold">
+                            <p:stCondLst>
+                              <p:cond delay="0"/>
+                            </p:stCondLst>
+                            <p:childTnLst>
+                              <p:par>
+                                <p:cTn id="5" presetID="1" presetClass="entr" presetSubtype="0" fill="hold" nodeType="clickEffect">
+                                  <p:stCondLst>
+                                    <p:cond delay="0"/>
+                                  </p:stCondLst>
+                                  <p:childTnLst>
+                                    <p:set>
+                                      <p:cBhvr>
+                                        <p:cTn id="6" dur="1" fill="hold">
+                                          <p:stCondLst>
+                                            <p:cond delay="0"/>
+                                          </p:stCondLst>
+                                        </p:cTn>
+                                        <p:tgtEl>
+                                          <p:spTgt spid="4">
+                                            <p:txEl>
+                                              <p:pRg st="0" end="0"/>
+                                            </p:txEl>
+                                          </p:spTgt>
+                                        </p:tgtEl>
+                                        <p:attrNameLst>
+                                          <p:attrName>style.visibility</p:attrName>
+                                        </p:attrNameLst>
+                                      </p:cBhvr>
+                                      <p:to>
+                                        <p:strVal val="visible"/>
+                                      </p:to>
+                                    </p:set>
+                                  </p:childTnLst>
+                                </p:cTn>
+                              </p:par>
+                            </p:childTnLst>
+                          </p:cTn>
+                        </p:par>
+                      </p:childTnLst>
+                    </p:cTn>
+                  </p:par>
+                  <p:par>
+                    <p:cTn id="7" fill="hold">
+                      <p:stCondLst>
+                        <p:cond delay="indefinite"/>
+                      </p:stCondLst>
+                      <p:childTnLst>
+                        <p:par>
+                          <p:cTn id="8" fill="hold">
+                            <p:stCondLst>
+                              <p:cond delay="0"/>
+                            </p:stCondLst>
+                            <p:childTnLst>
+                              <p:par>
+                                <p:cTn id="9" presetID="1" presetClass="entr" presetSubtype="0" fill="hold" nodeType="clickEffect">
+                                  <p:stCondLst>
+                                    <p:cond delay="0"/>
+                                  </p:stCondLst>
+                                  <p:childTnLst>
+                                    <p:set>
+                                      <p:cBhvr>
+                                        <p:cTn id="10" dur="1" fill="hold">
+                                          <p:stCondLst>
+                                            <p:cond delay="0"/>
+                                          </p:stCondLst>
+                                        </p:cTn>
+                                        <p:tgtEl>
+                                          <p:spTgt spid="4">
+                                            <p:txEl>
+                                              <p:pRg st="1" end="1"/>
+                                            </p:txEl>
+                                          </p:spTgt>
+                                        </p:tgtEl>
+                                        <p:attrNameLst>
+                                          <p:attrName>style.visibility</p:attrName>
+                                        </p:attrNameLst>
+                                      </p:cBhvr>
+                                      <p:to>
+                                        <p:strVal val="visible"/>
+                                      </p:to>
+                                    </p:set>
+                                  </p:childTnLst>
+                                </p:cTn>
+                              </p:par>
+                            </p:childTnLst>
+                          </p:cTn>
+                        </p:par>
+                      </p:childTnLst>
+                    </p:cTn>
+                  </p:par>
+                  <p:par>
+                    <p:cTn id="11" fill="hold">
+                      <p:stCondLst>
+                        <p:cond delay="indefinite"/>
+                      </p:stCondLst>
+                      <p:childTnLst>
+                        <p:par>
+                          <p:cTn id="12" fill="hold">
+                            <p:stCondLst>
+                              <p:cond delay="0"/>
+                            </p:stCondLst>
+                            <p:childTnLst>
+                              <p:par>
+                                <p:cTn id="13" presetID="1" presetClass="entr" presetSubtype="0" fill="hold" nodeType="clickEffect">
+                                  <p:stCondLst>
+                                    <p:cond delay="0"/>
+                                  </p:stCondLst>
+                                  <p:childTnLst>
+                                    <p:set>
+                                      <p:cBhvr>
+                                        <p:cTn id="14" dur="1" fill="hold">
+                                          <p:stCondLst>
+                                            <p:cond delay="0"/>
+                                          </p:stCondLst>
+                                        </p:cTn>
+                                        <p:tgtEl>
+                                          <p:spTgt spid="4">
+                                            <p:txEl>
+                                              <p:pRg st="2" end="2"/>
+                                            </p:txEl>
+                                          </p:spTgt>
+                                        </p:tgtEl>
+                                        <p:attrNameLst>
+                                          <p:attrName>style.visibility</p:attrName>
+                                        </p:attrNameLst>
+                                      </p:cBhvr>
+                                      <p:to>
+                                        <p:strVal val="visible"/>
+                                      </p:to>
+                                    </p:set>
+                                  </p:childTnLst>
+                                </p:cTn>
+                              </p:par>
+                            </p:childTnLst>
+                          </p:cTn>
+                        </p:par>
+                      </p:childTnLst>
+                    </p:cTn>
+                  </p:par>
+                  <p:par>
+                    <p:cTn id="15" fill="hold">
+                      <p:stCondLst>
+                        <p:cond delay="indefinite"/>
+                      </p:stCondLst>
+                      <p:childTnLst>
+                        <p:par>
+                          <p:cTn id="16" fill="hold">
+                            <p:stCondLst>
+                              <p:cond delay="0"/>
+                            </p:stCondLst>
+                            <p:childTnLst>
+                              <p:par>
+                                <p:cTn id="17" presetID="1" presetClass="entr" presetSubtype="0" fill="hold" nodeType="clickEffect">
+                                  <p:stCondLst>
+                                    <p:cond delay="0"/>
+                                  </p:stCondLst>
+                                  <p:childTnLst>
+                                    <p:set>
+                                      <p:cBhvr>
+                                        <p:cTn id="18" dur="1" fill="hold">
+                                          <p:stCondLst>
+                                            <p:cond delay="0"/>
+                                          </p:stCondLst>
+                                        </p:cTn>
+                                        <p:tgtEl>
+                                          <p:spTgt spid="4">
+                                            <p:txEl>
+                                              <p:pRg st="3" end="3"/>
+                                            </p:txEl>
+                                          </p:spTgt>
+                                        </p:tgtEl>
+                                        <p:attrNameLst>
+                                          <p:attrName>style.visibility</p:attrName>
+                                        </p:attrNameLst>
+                                      </p:cBhvr>
+                                      <p:to>
+                                        <p:strVal val="visible"/>
+                                      </p:to>
+                                    </p:set>
+                                  </p:childTnLst>
+                                </p:cTn>
+                              </p:par>
+                            </p:childTnLst>
+                          </p:cTn>
+                        </p:par>
+                      </p:childTnLst>
+                    </p:cTn>
+                  </p:par>
+                  <p:par>
+                    <p:cTn id="19" fill="hold">
+                      <p:stCondLst>
+                        <p:cond delay="indefinite"/>
+                      </p:stCondLst>
+                      <p:childTnLst>
+                        <p:par>
+                          <p:cTn id="20" fill="hold">
+                            <p:stCondLst>
+                              <p:cond delay="0"/>
+                            </p:stCondLst>
+                            <p:childTnLst>
+                              <p:par>
+                                <p:cTn id="21" presetID="1" presetClass="entr" presetSubtype="0" fill="hold" nodeType="clickEffect">
+                                  <p:stCondLst>
+                                    <p:cond delay="0"/>
+                                  </p:stCondLst>
+                                  <p:childTnLst>
+                                    <p:set>
+                                      <p:cBhvr>
+                                        <p:cTn id="22" dur="1" fill="hold">
+                                          <p:stCondLst>
+                                            <p:cond delay="0"/>
+                                          </p:stCondLst>
+                                        </p:cTn>
+                                        <p:tgtEl>
+                                          <p:spTgt spid="4">
+                                            <p:txEl>
+                                              <p:pRg st="4" end="4"/>
+                                            </p:txEl>
+                                          </p:spTgt>
+                                        </p:tgtEl>
+                                        <p:attrNameLst>
+                                          <p:attrName>style.visibility</p:attrName>
+                                        </p:attrNameLst>
+                                      </p:cBhvr>
+                                      <p:to>
+                                        <p:strVal val="visible"/>
+                                      </p:to>
+                                    </p:set>
+                                  </p:childTnLst>
+                                </p:cTn>
+                              </p:par>
+                            </p:childTnLst>
+                          </p:cTn>
+                        </p:par>
+                      </p:childTnLst>
+                    </p:cTn>
+                  </p:par>
+                  <p:par>
+                    <p:cTn id="23" fill="hold">
+                      <p:stCondLst>
+                        <p:cond delay="indefinite"/>
+                      </p:stCondLst>
+                      <p:childTnLst>
+                        <p:par>
+                          <p:cTn id="24" fill="hold">
+                            <p:stCondLst>
+                              <p:cond delay="0"/>
+                            </p:stCondLst>
+                            <p:childTnLst>
+                              <p:par>
+                                <p:cTn id="25" presetID="1" presetClass="entr" presetSubtype="0" fill="hold" nodeType="clickEffect">
+                                  <p:stCondLst>
+                                    <p:cond delay="0"/>
+                                  </p:stCondLst>
+                                  <p:childTnLst>
+                                    <p:set>
+                                      <p:cBhvr>
+                                        <p:cTn id="26" dur="1" fill="hold">
+                                          <p:stCondLst>
+                                            <p:cond delay="0"/>
+                                          </p:stCondLst>
+                                        </p:cTn>
+                                        <p:tgtEl>
+                                          <p:spTgt spid="4">
+                                            <p:txEl>
+                                              <p:pRg st="5" end="5"/>
+                                            </p:txEl>
+                                          </p:spTgt>
+                                        </p:tgtEl>
+                                        <p:attrNameLst>
+                                          <p:attrName>style.visibility</p:attrName>
+                                        </p:attrNameLst>
+                                      </p:cBhvr>
+                                      <p:to>
+                                        <p:strVal val="visible"/>
+                                      </p:to>
+                                    </p:set>
+                                  </p:childTnLst>
+                                </p:cTn>
+                              </p:par>
+                            </p:childTnLst>
+                          </p:cTn>
+                        </p:par>
+                      </p:childTnLst>
+                    </p:cTn>
+                  </p:par>
+                  <p:par>
+                    <p:cTn id="27" fill="hold">
+                      <p:stCondLst>
+                        <p:cond delay="indefinite"/>
+                      </p:stCondLst>
+                      <p:childTnLst>
+                        <p:par>
+                          <p:cTn id="28" fill="hold">
+                            <p:stCondLst>
+                              <p:cond delay="0"/>
+                            </p:stCondLst>
+                            <p:childTnLst>
+                              <p:par>
+                                <p:cTn id="29" presetID="1" presetClass="entr" presetSubtype="0" fill="hold" nodeType="clickEffect">
+                                  <p:stCondLst>
+                                    <p:cond delay="0"/>
+                                  </p:stCondLst>
+                                  <p:childTnLst>
+                                    <p:set>
+                                      <p:cBhvr>
+                                        <p:cTn id="30" dur="1" fill="hold">
+                                          <p:stCondLst>
+                                            <p:cond delay="0"/>
+                                          </p:stCondLst>
+                                        </p:cTn>
+                                        <p:tgtEl>
+                                          <p:spTgt spid="4">
+                                            <p:txEl>
+                                              <p:pRg st="7" end="7"/>
+                                            </p:txEl>
+                                          </p:spTgt>
+                                        </p:tgtEl>
+                                        <p:attrNameLst>
+                                          <p:attrName>style.visibility</p:attrName>
+                                        </p:attrNameLst>
+                                      </p:cBhvr>
+                                      <p:to>
+                                        <p:strVal val="visible"/>
+                                      </p:to>
+                                    </p:set>
+                                  </p:childTnLst>
+                                </p:cTn>
+                              </p:par>
+                            </p:childTnLst>
+                          </p:cTn>
+                        </p:par>
+                      </p:childTnLst>
+                    </p:cTn>
+                  </p:par>
+                  <p:par>
+                    <p:cTn id="31" fill="hold">
+                      <p:stCondLst>
+                        <p:cond delay="indefinite"/>
+                      </p:stCondLst>
+                      <p:childTnLst>
+                        <p:par>
+                          <p:cTn id="32" fill="hold">
+                            <p:stCondLst>
+                              <p:cond delay="0"/>
+                            </p:stCondLst>
+                            <p:childTnLst>
+                              <p:par>
+                                <p:cTn id="33" presetID="1" presetClass="entr" presetSubtype="0" fill="hold" nodeType="clickEffect">
+                                  <p:stCondLst>
+                                    <p:cond delay="0"/>
+                                  </p:stCondLst>
+                                  <p:childTnLst>
+                                    <p:set>
+                                      <p:cBhvr>
+                                        <p:cTn id="34" dur="1" fill="hold">
+                                          <p:stCondLst>
+                                            <p:cond delay="0"/>
+                                          </p:stCondLst>
+                                        </p:cTn>
+                                        <p:tgtEl>
+                                          <p:spTgt spid="4">
+                                            <p:txEl>
+                                              <p:pRg st="8" end="8"/>
+                                            </p:txEl>
+                                          </p:spTgt>
+                                        </p:tgtEl>
+                                        <p:attrNameLst>
+                                          <p:attrName>style.visibility</p:attrName>
+                                        </p:attrNameLst>
+                                      </p:cBhvr>
+                                      <p:to>
+                                        <p:strVal val="visible"/>
+                                      </p:to>
+                                    </p:set>
+                                  </p:childTnLst>
+                                </p:cTn>
+                              </p:par>
+                            </p:childTnLst>
+                          </p:cTn>
+                        </p:par>
+                      </p:childTnLst>
+                    </p:cTn>
+                  </p:par>
+                  <p:par>
+                    <p:cTn id="35" fill="hold">
+                      <p:stCondLst>
+                        <p:cond delay="indefinite"/>
+                      </p:stCondLst>
+                      <p:childTnLst>
+                        <p:par>
+                          <p:cTn id="36" fill="hold">
+                            <p:stCondLst>
+                              <p:cond delay="0"/>
+                            </p:stCondLst>
+                            <p:childTnLst>
+                              <p:par>
+                                <p:cTn id="37" presetID="1" presetClass="entr" presetSubtype="0" fill="hold" nodeType="clickEffect">
+                                  <p:stCondLst>
+                                    <p:cond delay="0"/>
+                                  </p:stCondLst>
+                                  <p:childTnLst>
+                                    <p:set>
+                                      <p:cBhvr>
+                                        <p:cTn id="38" dur="1" fill="hold">
+                                          <p:stCondLst>
+                                            <p:cond delay="0"/>
+                                          </p:stCondLst>
+                                        </p:cTn>
+                                        <p:tgtEl>
+                                          <p:spTgt spid="4">
+                                            <p:txEl>
+                                              <p:pRg st="9" end="9"/>
+                                            </p:txEl>
+                                          </p:spTgt>
+                                        </p:tgtEl>
+                                        <p:attrNameLst>
+                                          <p:attrName>style.visibility</p:attrName>
+                                        </p:attrNameLst>
+                                      </p:cBhvr>
+                                      <p:to>
+                                        <p:strVal val="visible"/>
+                                      </p:to>
+                                    </p:set>
+                                  </p:childTnLst>
+                                </p:cTn>
+                              </p:par>
+                            </p:childTnLst>
+                          </p:cTn>
+                        </p:par>
+                      </p:childTnLst>
+                    </p:cTn>
+                  </p:par>
+                  <p:par>
+                    <p:cTn id="39" fill="hold">
+                      <p:stCondLst>
+                        <p:cond delay="indefinite"/>
+                      </p:stCondLst>
+                      <p:childTnLst>
+                        <p:par>
+                          <p:cTn id="40" fill="hold">
+                            <p:stCondLst>
+                              <p:cond delay="0"/>
+                            </p:stCondLst>
+                            <p:childTnLst>
+                              <p:par>
+                                <p:cTn id="41" presetID="1" presetClass="entr" presetSubtype="0" fill="hold" nodeType="clickEffect">
+                                  <p:stCondLst>
+                                    <p:cond delay="0"/>
+                                  </p:stCondLst>
+                                  <p:childTnLst>
+                                    <p:set>
+                                      <p:cBhvr>
+                                        <p:cTn id="42" dur="1" fill="hold">
+                                          <p:stCondLst>
+                                            <p:cond delay="0"/>
+                                          </p:stCondLst>
+                                        </p:cTn>
+                                        <p:tgtEl>
+                                          <p:spTgt spid="4">
+                                            <p:txEl>
+                                              <p:pRg st="10" end="10"/>
+                                            </p:txEl>
+                                          </p:spTgt>
+                                        </p:tgtEl>
+                                        <p:attrNameLst>
+                                          <p:attrName>style.visibility</p:attrName>
+                                        </p:attrNameLst>
+                                      </p:cBhvr>
+                                      <p:to>
+                                        <p:strVal val="visible"/>
+                                      </p:to>
+                                    </p:set>
+                                  </p:childTnLst>
+                                </p:cTn>
+                              </p:par>
+                              <p:par>
+                                <p:cTn id="43" presetID="1" presetClass="entr" presetSubtype="0" fill="hold" nodeType="withEffect">
+                                  <p:stCondLst>
+                                    <p:cond delay="0"/>
+                                  </p:stCondLst>
+                                  <p:childTnLst>
+                                    <p:set>
+                                      <p:cBhvr>
+                                        <p:cTn id="44" dur="1" fill="hold">
+                                          <p:stCondLst>
+                                            <p:cond delay="0"/>
+                                          </p:stCondLst>
+                                        </p:cTn>
+                                        <p:tgtEl>
+                                          <p:spTgt spid="4">
+                                            <p:txEl>
+                                              <p:pRg st="11" end="11"/>
+                                            </p:txEl>
+                                          </p:spTgt>
+                                        </p:tgtEl>
+                                        <p:attrNameLst>
+                                          <p:attrName>style.visibility</p:attrName>
+                                        </p:attrNameLst>
+                                      </p:cBhvr>
+                                      <p:to>
+                                        <p:strVal val="visible"/>
+                                      </p:to>
+                                    </p:set>
+                                  </p:childTnLst>
+                                </p:cTn>
+                              </p:par>
+                              <p:par>
+                                <p:cTn id="45" presetID="1" presetClass="entr" presetSubtype="0" fill="hold" nodeType="withEffect">
+                                  <p:stCondLst>
+                                    <p:cond delay="0"/>
+                                  </p:stCondLst>
+                                  <p:childTnLst>
+                                    <p:set>
+                                      <p:cBhvr>
+                                        <p:cTn id="46" dur="1" fill="hold">
+                                          <p:stCondLst>
+                                            <p:cond delay="0"/>
+                                          </p:stCondLst>
+                                        </p:cTn>
+                                        <p:tgtEl>
+                                          <p:spTgt spid="4">
+                                            <p:txEl>
+                                              <p:pRg st="12" end="12"/>
+                                            </p:txEl>
+                                          </p:spTgt>
+                                        </p:tgtEl>
+                                        <p:attrNameLst>
+                                          <p:attrName>style.visibility</p:attrName>
+                                        </p:attrNameLst>
+                                      </p:cBhvr>
+                                      <p:to>
+                                        <p:strVal val="visible"/>
+                                      </p:to>
+                                    </p:set>
+                                  </p:childTnLst>
+                                </p:cTn>
+                              </p:par>
+                            </p:childTnLst>
+                          </p:cTn>
+                        </p:par>
+                      </p:childTnLst>
+                    </p:cTn>
+                  </p:par>
+                  <p:par>
+                    <p:cTn id="47" fill="hold">
+                      <p:stCondLst>
+                        <p:cond delay="indefinite"/>
+                      </p:stCondLst>
+                      <p:childTnLst>
+                        <p:par>
+                          <p:cTn id="48" fill="hold">
+                            <p:stCondLst>
+                              <p:cond delay="0"/>
+                            </p:stCondLst>
+                            <p:childTnLst>
+                              <p:par>
+                                <p:cTn id="49" presetID="1" presetClass="entr" presetSubtype="0" fill="hold" nodeType="clickEffect">
+                                  <p:stCondLst>
+                                    <p:cond delay="0"/>
+                                  </p:stCondLst>
+                                  <p:childTnLst>
+                                    <p:set>
+                                      <p:cBhvr>
+                                        <p:cTn id="50" dur="1" fill="hold">
+                                          <p:stCondLst>
+                                            <p:cond delay="0"/>
+                                          </p:stCondLst>
+                                        </p:cTn>
+                                        <p:tgtEl>
+                                          <p:spTgt spid="4">
+                                            <p:txEl>
+                                              <p:pRg st="14" end="14"/>
+                                            </p:txEl>
+                                          </p:spTgt>
+                                        </p:tgtEl>
+                                        <p:attrNameLst>
+                                          <p:attrName>style.visibility</p:attrName>
+                                        </p:attrNameLst>
+                                      </p:cBhvr>
+                                      <p:to>
+                                        <p:strVal val="visible"/>
+                                      </p:to>
+                                    </p:set>
+                                  </p:childTnLst>
+                                </p:cTn>
+                              </p:par>
+                            </p:childTnLst>
+                          </p:cTn>
+                        </p:par>
+                      </p:childTnLst>
+                    </p:cTn>
+                  </p:par>
+                  <p:par>
+                    <p:cTn id="51" fill="hold">
+                      <p:stCondLst>
+                        <p:cond delay="indefinite"/>
+                      </p:stCondLst>
+                      <p:childTnLst>
+                        <p:par>
+                          <p:cTn id="52" fill="hold">
+                            <p:stCondLst>
+                              <p:cond delay="0"/>
+                            </p:stCondLst>
+                            <p:childTnLst>
+                              <p:par>
+                                <p:cTn id="53" presetID="1" presetClass="entr" presetSubtype="0" fill="hold" nodeType="clickEffect">
+                                  <p:stCondLst>
+                                    <p:cond delay="0"/>
+                                  </p:stCondLst>
+                                  <p:childTnLst>
+                                    <p:set>
+                                      <p:cBhvr>
+                                        <p:cTn id="54" dur="1" fill="hold">
+                                          <p:stCondLst>
+                                            <p:cond delay="0"/>
+                                          </p:stCondLst>
+                                        </p:cTn>
+                                        <p:tgtEl>
+                                          <p:spTgt spid="4">
+                                            <p:txEl>
+                                              <p:pRg st="16" end="16"/>
+                                            </p:txEl>
+                                          </p:spTgt>
+                                        </p:tgtEl>
+                                        <p:attrNameLst>
+                                          <p:attrName>style.visibility</p:attrName>
+                                        </p:attrNameLst>
+                                      </p:cBhvr>
+                                      <p:to>
+                                        <p:strVal val="visible"/>
+                                      </p:to>
+                                    </p:set>
+                                  </p:childTnLst>
+                                </p:cTn>
+                              </p:par>
+                            </p:childTnLst>
+                          </p:cTn>
+                        </p:par>
+                      </p:childTnLst>
+                    </p:cTn>
+                  </p:par>
+                  <p:par>
+                    <p:cTn id="55" fill="hold">
+                      <p:stCondLst>
+                        <p:cond delay="indefinite"/>
+                      </p:stCondLst>
+                      <p:childTnLst>
+                        <p:par>
+                          <p:cTn id="56" fill="hold">
+                            <p:stCondLst>
+                              <p:cond delay="0"/>
+                            </p:stCondLst>
+                            <p:childTnLst>
+                              <p:par>
+                                <p:cTn id="57" presetID="1" presetClass="entr" presetSubtype="0" fill="hold" nodeType="clickEffect">
+                                  <p:stCondLst>
+                                    <p:cond delay="0"/>
+                                  </p:stCondLst>
+                                  <p:childTnLst>
+                                    <p:set>
+                                      <p:cBhvr>
+                                        <p:cTn id="58" dur="1" fill="hold">
+                                          <p:stCondLst>
+                                            <p:cond delay="0"/>
+                                          </p:stCondLst>
+                                        </p:cTn>
+                                        <p:tgtEl>
+                                          <p:spTgt spid="4">
+                                            <p:txEl>
+                                              <p:pRg st="17" end="17"/>
+                                            </p:txEl>
+                                          </p:spTgt>
+                                        </p:tgtEl>
+                                        <p:attrNameLst>
+                                          <p:attrName>style.visibility</p:attrName>
+                                        </p:attrNameLst>
+                                      </p:cBhvr>
+                                      <p:to>
+                                        <p:strVal val="visible"/>
+                                      </p:to>
+                                    </p:set>
+                                  </p:childTnLst>
+                                </p:cTn>
+                              </p:par>
+                            </p:childTnLst>
+                          </p:cTn>
+                        </p:par>
+                      </p:childTnLst>
+                    </p:cTn>
+                  </p:par>
+                  <p:par>
+                    <p:cTn id="59" fill="hold">
+                      <p:stCondLst>
+                        <p:cond delay="indefinite"/>
+                      </p:stCondLst>
+                      <p:childTnLst>
+                        <p:par>
+                          <p:cTn id="60" fill="hold">
+                            <p:stCondLst>
+                              <p:cond delay="0"/>
+                            </p:stCondLst>
+                            <p:childTnLst>
+                              <p:par>
+                                <p:cTn id="61" presetID="1" presetClass="entr" presetSubtype="0" fill="hold" nodeType="clickEffect">
+                                  <p:stCondLst>
+                                    <p:cond delay="0"/>
+                                  </p:stCondLst>
+                                  <p:childTnLst>
+                                    <p:set>
+                                      <p:cBhvr>
+                                        <p:cTn id="62" dur="1" fill="hold">
+                                          <p:stCondLst>
+                                            <p:cond delay="0"/>
+                                          </p:stCondLst>
+                                        </p:cTn>
+                                        <p:tgtEl>
+                                          <p:spTgt spid="5">
+                                            <p:txEl>
+                                              <p:pRg st="0" end="0"/>
+                                            </p:txEl>
+                                          </p:spTgt>
+                                        </p:tgtEl>
+                                        <p:attrNameLst>
+                                          <p:attrName>style.visibility</p:attrName>
+                                        </p:attrNameLst>
+                                      </p:cBhvr>
+                                      <p:to>
+                                        <p:strVal val="visible"/>
+                                      </p:to>
+                                    </p:set>
+                                  </p:childTnLst>
+                                </p:cTn>
+                              </p:par>
+                            </p:childTnLst>
+                          </p:cTn>
+                        </p:par>
+                      </p:childTnLst>
+                    </p:cTn>
+                  </p:par>
+                  <p:par>
+                    <p:cTn id="63" fill="hold">
+                      <p:stCondLst>
+                        <p:cond delay="indefinite"/>
+                      </p:stCondLst>
+                      <p:childTnLst>
+                        <p:par>
+                          <p:cTn id="64" fill="hold">
+                            <p:stCondLst>
+                              <p:cond delay="0"/>
+                            </p:stCondLst>
+                            <p:childTnLst>
+                              <p:par>
+                                <p:cTn id="65" presetID="1" presetClass="entr" presetSubtype="0" fill="hold" nodeType="clickEffect">
+                                  <p:stCondLst>
+                                    <p:cond delay="0"/>
+                                  </p:stCondLst>
+                                  <p:childTnLst>
+                                    <p:set>
+                                      <p:cBhvr>
+                                        <p:cTn id="66" dur="1" fill="hold">
+                                          <p:stCondLst>
+                                            <p:cond delay="0"/>
+                                          </p:stCondLst>
+                                        </p:cTn>
+                                        <p:tgtEl>
+                                          <p:spTgt spid="5">
+                                            <p:txEl>
+                                              <p:pRg st="1" end="1"/>
+                                            </p:txEl>
+                                          </p:spTgt>
+                                        </p:tgtEl>
+                                        <p:attrNameLst>
+                                          <p:attrName>style.visibility</p:attrName>
+                                        </p:attrNameLst>
+                                      </p:cBhvr>
+                                      <p:to>
+                                        <p:strVal val="visible"/>
+                                      </p:to>
+                                    </p:set>
+                                  </p:childTnLst>
+                                </p:cTn>
+                              </p:par>
+                            </p:childTnLst>
+                          </p:cTn>
+                        </p:par>
+                      </p:childTnLst>
+                    </p:cTn>
+                  </p:par>
+                  <p:par>
+                    <p:cTn id="67" fill="hold">
+                      <p:stCondLst>
+                        <p:cond delay="indefinite"/>
+                      </p:stCondLst>
+                      <p:childTnLst>
+                        <p:par>
+                          <p:cTn id="68" fill="hold">
+                            <p:stCondLst>
+                              <p:cond delay="0"/>
+                            </p:stCondLst>
+                            <p:childTnLst>
+                              <p:par>
+                                <p:cTn id="69" presetID="1" presetClass="entr" presetSubtype="0" fill="hold" nodeType="clickEffect">
+                                  <p:stCondLst>
+                                    <p:cond delay="0"/>
+                                  </p:stCondLst>
+                                  <p:childTnLst>
+                                    <p:set>
+                                      <p:cBhvr>
+                                        <p:cTn id="70" dur="1" fill="hold">
+                                          <p:stCondLst>
+                                            <p:cond delay="0"/>
+                                          </p:stCondLst>
+                                        </p:cTn>
+                                        <p:tgtEl>
+                                          <p:spTgt spid="5">
+                                            <p:txEl>
+                                              <p:pRg st="3" end="3"/>
+                                            </p:txEl>
+                                          </p:spTgt>
+                                        </p:tgtEl>
+                                        <p:attrNameLst>
+                                          <p:attrName>style.visibility</p:attrName>
+                                        </p:attrNameLst>
+                                      </p:cBhvr>
+                                      <p:to>
+                                        <p:strVal val="visible"/>
+                                      </p:to>
+                                    </p:set>
+                                  </p:childTnLst>
+                                </p:cTn>
+                              </p:par>
+                            </p:childTnLst>
+                          </p:cTn>
+                        </p:par>
+                      </p:childTnLst>
+                    </p:cTn>
+                  </p:par>
+                  <p:par>
+                    <p:cTn id="71" fill="hold">
+                      <p:stCondLst>
+                        <p:cond delay="indefinite"/>
+                      </p:stCondLst>
+                      <p:childTnLst>
+                        <p:par>
+                          <p:cTn id="72" fill="hold">
+                            <p:stCondLst>
+                              <p:cond delay="0"/>
+                            </p:stCondLst>
+                            <p:childTnLst>
+                              <p:par>
+                                <p:cTn id="73" presetID="1" presetClass="entr" presetSubtype="0" fill="hold" nodeType="clickEffect">
+                                  <p:stCondLst>
+                                    <p:cond delay="0"/>
+                                  </p:stCondLst>
+                                  <p:childTnLst>
+                                    <p:set>
+                                      <p:cBhvr>
+                                        <p:cTn id="74" dur="1" fill="hold">
+                                          <p:stCondLst>
+                                            <p:cond delay="0"/>
+                                          </p:stCondLst>
+                                        </p:cTn>
+                                        <p:tgtEl>
+                                          <p:spTgt spid="5">
+                                            <p:txEl>
+                                              <p:pRg st="5" end="5"/>
+                                            </p:txEl>
+                                          </p:spTgt>
+                                        </p:tgtEl>
+                                        <p:attrNameLst>
+                                          <p:attrName>style.visibility</p:attrName>
+                                        </p:attrNameLst>
+                                      </p:cBhvr>
+                                      <p:to>
+                                        <p:strVal val="visible"/>
+                                      </p:to>
+                                    </p:set>
+                                  </p:childTnLst>
+                                </p:cTn>
+                              </p:par>
+                            </p:childTnLst>
+                          </p:cTn>
+                        </p:par>
+                      </p:childTnLst>
+                    </p:cTn>
+                  </p:par>
+                  <p:par>
+                    <p:cTn id="75" fill="hold">
+                      <p:stCondLst>
+                        <p:cond delay="indefinite"/>
+                      </p:stCondLst>
+                      <p:childTnLst>
+                        <p:par>
+                          <p:cTn id="76" fill="hold">
+                            <p:stCondLst>
+                              <p:cond delay="0"/>
+                            </p:stCondLst>
+                            <p:childTnLst>
+                              <p:par>
+                                <p:cTn id="77" presetID="1" presetClass="entr" presetSubtype="0" fill="hold" nodeType="clickEffect">
+                                  <p:stCondLst>
+                                    <p:cond delay="0"/>
+                                  </p:stCondLst>
+                                  <p:childTnLst>
+                                    <p:set>
+                                      <p:cBhvr>
+                                        <p:cTn id="78" dur="1" fill="hold">
+                                          <p:stCondLst>
+                                            <p:cond delay="0"/>
+                                          </p:stCondLst>
+                                        </p:cTn>
+                                        <p:tgtEl>
+                                          <p:spTgt spid="5">
+                                            <p:txEl>
+                                              <p:pRg st="6" end="6"/>
+                                            </p:txEl>
+                                          </p:spTgt>
+                                        </p:tgtEl>
+                                        <p:attrNameLst>
+                                          <p:attrName>style.visibility</p:attrName>
+                                        </p:attrNameLst>
+                                      </p:cBhvr>
+                                      <p:to>
+                                        <p:strVal val="visible"/>
+                                      </p:to>
+                                    </p:set>
+                                  </p:childTnLst>
+                                </p:cTn>
+                              </p:par>
+                            </p:childTnLst>
+                          </p:cTn>
+                        </p:par>
+                      </p:childTnLst>
+                    </p:cTn>
+                  </p:par>
+                  <p:par>
+                    <p:cTn id="79" fill="hold">
+                      <p:stCondLst>
+                        <p:cond delay="indefinite"/>
+                      </p:stCondLst>
+                      <p:childTnLst>
+                        <p:par>
+                          <p:cTn id="80" fill="hold">
+                            <p:stCondLst>
+                              <p:cond delay="0"/>
+                            </p:stCondLst>
+                            <p:childTnLst>
+                              <p:par>
+                                <p:cTn id="81" presetID="1" presetClass="entr" presetSubtype="0" fill="hold" nodeType="clickEffect">
+                                  <p:stCondLst>
+                                    <p:cond delay="0"/>
+                                  </p:stCondLst>
+                                  <p:childTnLst>
+                                    <p:set>
+                                      <p:cBhvr>
+                                        <p:cTn id="82" dur="1" fill="hold">
+                                          <p:stCondLst>
+                                            <p:cond delay="0"/>
+                                          </p:stCondLst>
+                                        </p:cTn>
+                                        <p:tgtEl>
+                                          <p:spTgt spid="5">
+                                            <p:txEl>
+                                              <p:pRg st="7" end="7"/>
+                                            </p:txEl>
+                                          </p:spTgt>
+                                        </p:tgtEl>
+                                        <p:attrNameLst>
+                                          <p:attrName>style.visibility</p:attrName>
+                                        </p:attrNameLst>
+                                      </p:cBhvr>
+                                      <p:to>
+                                        <p:strVal val="visible"/>
+                                      </p:to>
+                                    </p:set>
+                                  </p:childTnLst>
+                                </p:cTn>
+                              </p:par>
+                            </p:childTnLst>
+                          </p:cTn>
+                        </p:par>
+                      </p:childTnLst>
+                    </p:cTn>
+                  </p:par>
+                  <p:par>
+                    <p:cTn id="83" fill="hold">
+                      <p:stCondLst>
+                        <p:cond delay="indefinite"/>
+                      </p:stCondLst>
+                      <p:childTnLst>
+                        <p:par>
+                          <p:cTn id="84" fill="hold">
+                            <p:stCondLst>
+                              <p:cond delay="0"/>
+                            </p:stCondLst>
+                            <p:childTnLst>
+                              <p:par>
+                                <p:cTn id="85" presetID="1" presetClass="entr" presetSubtype="0" fill="hold" nodeType="clickEffect">
+                                  <p:stCondLst>
+                                    <p:cond delay="0"/>
+                                  </p:stCondLst>
+                                  <p:childTnLst>
+                                    <p:set>
+                                      <p:cBhvr>
+                                        <p:cTn id="86" dur="1" fill="hold">
+                                          <p:stCondLst>
+                                            <p:cond delay="0"/>
+                                          </p:stCondLst>
+                                        </p:cTn>
+                                        <p:tgtEl>
+                                          <p:spTgt spid="5">
+                                            <p:txEl>
+                                              <p:pRg st="9" end="9"/>
+                                            </p:txEl>
+                                          </p:spTgt>
+                                        </p:tgtEl>
+                                        <p:attrNameLst>
+                                          <p:attrName>style.visibility</p:attrName>
+                                        </p:attrNameLst>
+                                      </p:cBhvr>
+                                      <p:to>
+                                        <p:strVal val="visible"/>
+                                      </p:to>
+                                    </p:set>
+                                  </p:childTnLst>
+                                </p:cTn>
+                              </p:par>
+                            </p:childTnLst>
+                          </p:cTn>
+                        </p:par>
+                      </p:childTnLst>
+                    </p:cTn>
+                  </p:par>
+                </p:childTnLst>
+              </p:cTn>
+              <p:prevCondLst>
+                <p:cond evt="onPrev" delay="0">
+                  <p:tgtEl>
+                    <p:sldTgt/>
+                  </p:tgtEl>
+                </p:cond>
+              </p:prevCondLst>
+              <p:nextCondLst>
+                <p:cond evt="onNext" delay="0">
+                  <p:tgtEl>
+                    <p:sldTgt/>
+                  </p:tgtEl>
+                </p:cond>
+              </p:nextCondLst>
+            </p:seq>
+          </p:childTnLst>
+        </p:cTn>
+      </p:par>
+    </p:tnLst>
+  </p:timing>
 </p:sld>
 </file>
 
@@ -10559,6 +11656,13 @@
   <p:clrMapOvr>
     <a:masterClrMapping/>
   </p:clrMapOvr>
+  <p:timing>
+    <p:tnLst>
+      <p:par>
+        <p:cTn id="1" dur="indefinite" restart="never" nodeType="tmRoot"/>
+      </p:par>
+    </p:tnLst>
+  </p:timing>
 </p:sld>
 </file>
 
@@ -13048,7 +14152,7 @@
           <p:nvPr>
             <p:extLst>
               <p:ext uri="{D42A27DB-BD31-4B8C-83A1-F6EECF244321}">
-                <p14:modId xmlns:p14="http://schemas.microsoft.com/office/powerpoint/2010/main" val="3507730180"/>
+                <p14:modId xmlns:p14="http://schemas.microsoft.com/office/powerpoint/2010/main" val="3824309690"/>
               </p:ext>
             </p:extLst>
           </p:nvPr>
@@ -13331,12 +14435,12 @@
         <p:spPr>
           <a:xfrm>
             <a:off x="357498" y="48932"/>
-            <a:ext cx="10515600" cy="574912"/>
+            <a:ext cx="11102412" cy="574912"/>
           </a:xfrm>
         </p:spPr>
         <p:txBody>
           <a:bodyPr>
-            <a:normAutofit/>
+            <a:normAutofit fontScale="90000"/>
           </a:bodyPr>
           <a:lstStyle/>
           <a:p>
@@ -13346,7 +14450,11 @@
             </a:r>
             <a:r>
               <a:rPr lang="en-US" sz="3200" dirty="0" smtClean="0"/>
-              <a:t>For the Given Data Matrix find PCA</a:t>
+              <a:t>For the Given Data Matrix find </a:t>
+            </a:r>
+            <a:r>
+              <a:rPr lang="en-US" sz="3200" dirty="0" smtClean="0"/>
+              <a:t>Principal component using PCA</a:t>
             </a:r>
             <a:endParaRPr lang="en-US" sz="3200" dirty="0"/>
           </a:p>
@@ -13566,8 +14674,8 @@
           </p:sp>
         </mc:Fallback>
       </mc:AlternateContent>
-      <mc:AlternateContent xmlns:mc="http://schemas.openxmlformats.org/markup-compatibility/2006" xmlns:a14="http://schemas.microsoft.com/office/drawing/2010/main">
-        <mc:Choice Requires="a14">
+      <mc:AlternateContent xmlns:mc="http://schemas.openxmlformats.org/markup-compatibility/2006">
+        <mc:Choice xmlns:a14="http://schemas.microsoft.com/office/drawing/2010/main" Requires="a14">
           <p:sp>
             <p:nvSpPr>
               <p:cNvPr id="5" name="TextBox 4"/>
@@ -13606,7 +14714,15 @@
                 </a:r>
                 <a:r>
                   <a:rPr lang="en-US" sz="1600" b="1" dirty="0" smtClean="0"/>
-                  <a:t>:- Standardize the dataset by from mean value</a:t>
+                  <a:t>:- Standardize the dataset </a:t>
+                </a:r>
+                <a:r>
+                  <a:rPr lang="en-US" sz="1600" b="1" dirty="0" smtClean="0"/>
+                  <a:t>by subtracting </a:t>
+                </a:r>
+                <a:r>
+                  <a:rPr lang="en-US" sz="1600" b="1" dirty="0" smtClean="0"/>
+                  <a:t>from mean value</a:t>
                 </a:r>
               </a:p>
               <a:p>
@@ -15848,7 +16964,7 @@
             </p:txBody>
           </p:sp>
         </mc:Choice>
-        <mc:Fallback xmlns="">
+        <mc:Fallback>
           <p:sp>
             <p:nvSpPr>
               <p:cNvPr id="5" name="TextBox 4"/>
@@ -17763,6 +18879,776 @@
   <p:clrMapOvr>
     <a:masterClrMapping/>
   </p:clrMapOvr>
+  <p:timing>
+    <p:tnLst>
+      <p:par>
+        <p:cTn id="1" dur="indefinite" restart="never" nodeType="tmRoot">
+          <p:childTnLst>
+            <p:seq concurrent="1" nextAc="seek">
+              <p:cTn id="2" dur="indefinite" nodeType="mainSeq">
+                <p:childTnLst>
+                  <p:par>
+                    <p:cTn id="3" fill="hold">
+                      <p:stCondLst>
+                        <p:cond delay="indefinite"/>
+                      </p:stCondLst>
+                      <p:childTnLst>
+                        <p:par>
+                          <p:cTn id="4" fill="hold">
+                            <p:stCondLst>
+                              <p:cond delay="0"/>
+                            </p:stCondLst>
+                            <p:childTnLst>
+                              <p:par>
+                                <p:cTn id="5" presetID="1" presetClass="entr" presetSubtype="0" fill="hold" nodeType="clickEffect">
+                                  <p:stCondLst>
+                                    <p:cond delay="0"/>
+                                  </p:stCondLst>
+                                  <p:childTnLst>
+                                    <p:set>
+                                      <p:cBhvr>
+                                        <p:cTn id="6" dur="1" fill="hold">
+                                          <p:stCondLst>
+                                            <p:cond delay="0"/>
+                                          </p:stCondLst>
+                                        </p:cTn>
+                                        <p:tgtEl>
+                                          <p:spTgt spid="5">
+                                            <p:txEl>
+                                              <p:pRg st="0" end="0"/>
+                                            </p:txEl>
+                                          </p:spTgt>
+                                        </p:tgtEl>
+                                        <p:attrNameLst>
+                                          <p:attrName>style.visibility</p:attrName>
+                                        </p:attrNameLst>
+                                      </p:cBhvr>
+                                      <p:to>
+                                        <p:strVal val="visible"/>
+                                      </p:to>
+                                    </p:set>
+                                  </p:childTnLst>
+                                </p:cTn>
+                              </p:par>
+                            </p:childTnLst>
+                          </p:cTn>
+                        </p:par>
+                      </p:childTnLst>
+                    </p:cTn>
+                  </p:par>
+                  <p:par>
+                    <p:cTn id="7" fill="hold">
+                      <p:stCondLst>
+                        <p:cond delay="indefinite"/>
+                      </p:stCondLst>
+                      <p:childTnLst>
+                        <p:par>
+                          <p:cTn id="8" fill="hold">
+                            <p:stCondLst>
+                              <p:cond delay="0"/>
+                            </p:stCondLst>
+                            <p:childTnLst>
+                              <p:par>
+                                <p:cTn id="9" presetID="1" presetClass="entr" presetSubtype="0" fill="hold" nodeType="clickEffect">
+                                  <p:stCondLst>
+                                    <p:cond delay="0"/>
+                                  </p:stCondLst>
+                                  <p:childTnLst>
+                                    <p:set>
+                                      <p:cBhvr>
+                                        <p:cTn id="10" dur="1" fill="hold">
+                                          <p:stCondLst>
+                                            <p:cond delay="0"/>
+                                          </p:stCondLst>
+                                        </p:cTn>
+                                        <p:tgtEl>
+                                          <p:spTgt spid="5">
+                                            <p:txEl>
+                                              <p:pRg st="1" end="1"/>
+                                            </p:txEl>
+                                          </p:spTgt>
+                                        </p:tgtEl>
+                                        <p:attrNameLst>
+                                          <p:attrName>style.visibility</p:attrName>
+                                        </p:attrNameLst>
+                                      </p:cBhvr>
+                                      <p:to>
+                                        <p:strVal val="visible"/>
+                                      </p:to>
+                                    </p:set>
+                                  </p:childTnLst>
+                                </p:cTn>
+                              </p:par>
+                            </p:childTnLst>
+                          </p:cTn>
+                        </p:par>
+                      </p:childTnLst>
+                    </p:cTn>
+                  </p:par>
+                  <p:par>
+                    <p:cTn id="11" fill="hold">
+                      <p:stCondLst>
+                        <p:cond delay="indefinite"/>
+                      </p:stCondLst>
+                      <p:childTnLst>
+                        <p:par>
+                          <p:cTn id="12" fill="hold">
+                            <p:stCondLst>
+                              <p:cond delay="0"/>
+                            </p:stCondLst>
+                            <p:childTnLst>
+                              <p:par>
+                                <p:cTn id="13" presetID="1" presetClass="entr" presetSubtype="0" fill="hold" nodeType="clickEffect">
+                                  <p:stCondLst>
+                                    <p:cond delay="0"/>
+                                  </p:stCondLst>
+                                  <p:childTnLst>
+                                    <p:set>
+                                      <p:cBhvr>
+                                        <p:cTn id="14" dur="1" fill="hold">
+                                          <p:stCondLst>
+                                            <p:cond delay="0"/>
+                                          </p:stCondLst>
+                                        </p:cTn>
+                                        <p:tgtEl>
+                                          <p:spTgt spid="8"/>
+                                        </p:tgtEl>
+                                        <p:attrNameLst>
+                                          <p:attrName>style.visibility</p:attrName>
+                                        </p:attrNameLst>
+                                      </p:cBhvr>
+                                      <p:to>
+                                        <p:strVal val="visible"/>
+                                      </p:to>
+                                    </p:set>
+                                  </p:childTnLst>
+                                </p:cTn>
+                              </p:par>
+                            </p:childTnLst>
+                          </p:cTn>
+                        </p:par>
+                      </p:childTnLst>
+                    </p:cTn>
+                  </p:par>
+                  <p:par>
+                    <p:cTn id="15" fill="hold">
+                      <p:stCondLst>
+                        <p:cond delay="indefinite"/>
+                      </p:stCondLst>
+                      <p:childTnLst>
+                        <p:par>
+                          <p:cTn id="16" fill="hold">
+                            <p:stCondLst>
+                              <p:cond delay="0"/>
+                            </p:stCondLst>
+                            <p:childTnLst>
+                              <p:par>
+                                <p:cTn id="17" presetID="1" presetClass="entr" presetSubtype="0" fill="hold" nodeType="clickEffect">
+                                  <p:stCondLst>
+                                    <p:cond delay="0"/>
+                                  </p:stCondLst>
+                                  <p:childTnLst>
+                                    <p:set>
+                                      <p:cBhvr>
+                                        <p:cTn id="18" dur="1" fill="hold">
+                                          <p:stCondLst>
+                                            <p:cond delay="0"/>
+                                          </p:stCondLst>
+                                        </p:cTn>
+                                        <p:tgtEl>
+                                          <p:spTgt spid="5">
+                                            <p:txEl>
+                                              <p:pRg st="2" end="2"/>
+                                            </p:txEl>
+                                          </p:spTgt>
+                                        </p:tgtEl>
+                                        <p:attrNameLst>
+                                          <p:attrName>style.visibility</p:attrName>
+                                        </p:attrNameLst>
+                                      </p:cBhvr>
+                                      <p:to>
+                                        <p:strVal val="visible"/>
+                                      </p:to>
+                                    </p:set>
+                                  </p:childTnLst>
+                                </p:cTn>
+                              </p:par>
+                            </p:childTnLst>
+                          </p:cTn>
+                        </p:par>
+                      </p:childTnLst>
+                    </p:cTn>
+                  </p:par>
+                  <p:par>
+                    <p:cTn id="19" fill="hold">
+                      <p:stCondLst>
+                        <p:cond delay="indefinite"/>
+                      </p:stCondLst>
+                      <p:childTnLst>
+                        <p:par>
+                          <p:cTn id="20" fill="hold">
+                            <p:stCondLst>
+                              <p:cond delay="0"/>
+                            </p:stCondLst>
+                            <p:childTnLst>
+                              <p:par>
+                                <p:cTn id="21" presetID="1" presetClass="entr" presetSubtype="0" fill="hold" nodeType="clickEffect">
+                                  <p:stCondLst>
+                                    <p:cond delay="0"/>
+                                  </p:stCondLst>
+                                  <p:childTnLst>
+                                    <p:set>
+                                      <p:cBhvr>
+                                        <p:cTn id="22" dur="1" fill="hold">
+                                          <p:stCondLst>
+                                            <p:cond delay="0"/>
+                                          </p:stCondLst>
+                                        </p:cTn>
+                                        <p:tgtEl>
+                                          <p:spTgt spid="5">
+                                            <p:txEl>
+                                              <p:pRg st="3" end="3"/>
+                                            </p:txEl>
+                                          </p:spTgt>
+                                        </p:tgtEl>
+                                        <p:attrNameLst>
+                                          <p:attrName>style.visibility</p:attrName>
+                                        </p:attrNameLst>
+                                      </p:cBhvr>
+                                      <p:to>
+                                        <p:strVal val="visible"/>
+                                      </p:to>
+                                    </p:set>
+                                  </p:childTnLst>
+                                </p:cTn>
+                              </p:par>
+                              <p:par>
+                                <p:cTn id="23" presetID="1" presetClass="entr" presetSubtype="0" fill="hold" nodeType="withEffect">
+                                  <p:stCondLst>
+                                    <p:cond delay="0"/>
+                                  </p:stCondLst>
+                                  <p:childTnLst>
+                                    <p:set>
+                                      <p:cBhvr>
+                                        <p:cTn id="24" dur="1" fill="hold">
+                                          <p:stCondLst>
+                                            <p:cond delay="0"/>
+                                          </p:stCondLst>
+                                        </p:cTn>
+                                        <p:tgtEl>
+                                          <p:spTgt spid="5">
+                                            <p:txEl>
+                                              <p:pRg st="4" end="4"/>
+                                            </p:txEl>
+                                          </p:spTgt>
+                                        </p:tgtEl>
+                                        <p:attrNameLst>
+                                          <p:attrName>style.visibility</p:attrName>
+                                        </p:attrNameLst>
+                                      </p:cBhvr>
+                                      <p:to>
+                                        <p:strVal val="visible"/>
+                                      </p:to>
+                                    </p:set>
+                                  </p:childTnLst>
+                                </p:cTn>
+                              </p:par>
+                            </p:childTnLst>
+                          </p:cTn>
+                        </p:par>
+                      </p:childTnLst>
+                    </p:cTn>
+                  </p:par>
+                  <p:par>
+                    <p:cTn id="25" fill="hold">
+                      <p:stCondLst>
+                        <p:cond delay="indefinite"/>
+                      </p:stCondLst>
+                      <p:childTnLst>
+                        <p:par>
+                          <p:cTn id="26" fill="hold">
+                            <p:stCondLst>
+                              <p:cond delay="0"/>
+                            </p:stCondLst>
+                            <p:childTnLst>
+                              <p:par>
+                                <p:cTn id="27" presetID="1" presetClass="entr" presetSubtype="0" fill="hold" nodeType="clickEffect">
+                                  <p:stCondLst>
+                                    <p:cond delay="0"/>
+                                  </p:stCondLst>
+                                  <p:childTnLst>
+                                    <p:set>
+                                      <p:cBhvr>
+                                        <p:cTn id="28" dur="1" fill="hold">
+                                          <p:stCondLst>
+                                            <p:cond delay="0"/>
+                                          </p:stCondLst>
+                                        </p:cTn>
+                                        <p:tgtEl>
+                                          <p:spTgt spid="5">
+                                            <p:txEl>
+                                              <p:pRg st="5" end="5"/>
+                                            </p:txEl>
+                                          </p:spTgt>
+                                        </p:tgtEl>
+                                        <p:attrNameLst>
+                                          <p:attrName>style.visibility</p:attrName>
+                                        </p:attrNameLst>
+                                      </p:cBhvr>
+                                      <p:to>
+                                        <p:strVal val="visible"/>
+                                      </p:to>
+                                    </p:set>
+                                  </p:childTnLst>
+                                </p:cTn>
+                              </p:par>
+                            </p:childTnLst>
+                          </p:cTn>
+                        </p:par>
+                      </p:childTnLst>
+                    </p:cTn>
+                  </p:par>
+                  <p:par>
+                    <p:cTn id="29" fill="hold">
+                      <p:stCondLst>
+                        <p:cond delay="indefinite"/>
+                      </p:stCondLst>
+                      <p:childTnLst>
+                        <p:par>
+                          <p:cTn id="30" fill="hold">
+                            <p:stCondLst>
+                              <p:cond delay="0"/>
+                            </p:stCondLst>
+                            <p:childTnLst>
+                              <p:par>
+                                <p:cTn id="31" presetID="1" presetClass="entr" presetSubtype="0" fill="hold" grpId="0" nodeType="clickEffect">
+                                  <p:stCondLst>
+                                    <p:cond delay="0"/>
+                                  </p:stCondLst>
+                                  <p:childTnLst>
+                                    <p:set>
+                                      <p:cBhvr>
+                                        <p:cTn id="32" dur="1" fill="hold">
+                                          <p:stCondLst>
+                                            <p:cond delay="0"/>
+                                          </p:stCondLst>
+                                        </p:cTn>
+                                        <p:tgtEl>
+                                          <p:spTgt spid="6"/>
+                                        </p:tgtEl>
+                                        <p:attrNameLst>
+                                          <p:attrName>style.visibility</p:attrName>
+                                        </p:attrNameLst>
+                                      </p:cBhvr>
+                                      <p:to>
+                                        <p:strVal val="visible"/>
+                                      </p:to>
+                                    </p:set>
+                                  </p:childTnLst>
+                                </p:cTn>
+                              </p:par>
+                            </p:childTnLst>
+                          </p:cTn>
+                        </p:par>
+                      </p:childTnLst>
+                    </p:cTn>
+                  </p:par>
+                  <p:par>
+                    <p:cTn id="33" fill="hold">
+                      <p:stCondLst>
+                        <p:cond delay="indefinite"/>
+                      </p:stCondLst>
+                      <p:childTnLst>
+                        <p:par>
+                          <p:cTn id="34" fill="hold">
+                            <p:stCondLst>
+                              <p:cond delay="0"/>
+                            </p:stCondLst>
+                            <p:childTnLst>
+                              <p:par>
+                                <p:cTn id="35" presetID="1" presetClass="entr" presetSubtype="0" fill="hold" nodeType="clickEffect">
+                                  <p:stCondLst>
+                                    <p:cond delay="0"/>
+                                  </p:stCondLst>
+                                  <p:childTnLst>
+                                    <p:set>
+                                      <p:cBhvr>
+                                        <p:cTn id="36" dur="1" fill="hold">
+                                          <p:stCondLst>
+                                            <p:cond delay="0"/>
+                                          </p:stCondLst>
+                                        </p:cTn>
+                                        <p:tgtEl>
+                                          <p:spTgt spid="5">
+                                            <p:txEl>
+                                              <p:pRg st="10" end="10"/>
+                                            </p:txEl>
+                                          </p:spTgt>
+                                        </p:tgtEl>
+                                        <p:attrNameLst>
+                                          <p:attrName>style.visibility</p:attrName>
+                                        </p:attrNameLst>
+                                      </p:cBhvr>
+                                      <p:to>
+                                        <p:strVal val="visible"/>
+                                      </p:to>
+                                    </p:set>
+                                  </p:childTnLst>
+                                </p:cTn>
+                              </p:par>
+                            </p:childTnLst>
+                          </p:cTn>
+                        </p:par>
+                      </p:childTnLst>
+                    </p:cTn>
+                  </p:par>
+                  <p:par>
+                    <p:cTn id="37" fill="hold">
+                      <p:stCondLst>
+                        <p:cond delay="indefinite"/>
+                      </p:stCondLst>
+                      <p:childTnLst>
+                        <p:par>
+                          <p:cTn id="38" fill="hold">
+                            <p:stCondLst>
+                              <p:cond delay="0"/>
+                            </p:stCondLst>
+                            <p:childTnLst>
+                              <p:par>
+                                <p:cTn id="39" presetID="1" presetClass="entr" presetSubtype="0" fill="hold" nodeType="clickEffect">
+                                  <p:stCondLst>
+                                    <p:cond delay="0"/>
+                                  </p:stCondLst>
+                                  <p:childTnLst>
+                                    <p:set>
+                                      <p:cBhvr>
+                                        <p:cTn id="40" dur="1" fill="hold">
+                                          <p:stCondLst>
+                                            <p:cond delay="0"/>
+                                          </p:stCondLst>
+                                        </p:cTn>
+                                        <p:tgtEl>
+                                          <p:spTgt spid="5">
+                                            <p:txEl>
+                                              <p:pRg st="11" end="11"/>
+                                            </p:txEl>
+                                          </p:spTgt>
+                                        </p:tgtEl>
+                                        <p:attrNameLst>
+                                          <p:attrName>style.visibility</p:attrName>
+                                        </p:attrNameLst>
+                                      </p:cBhvr>
+                                      <p:to>
+                                        <p:strVal val="visible"/>
+                                      </p:to>
+                                    </p:set>
+                                  </p:childTnLst>
+                                </p:cTn>
+                              </p:par>
+                            </p:childTnLst>
+                          </p:cTn>
+                        </p:par>
+                      </p:childTnLst>
+                    </p:cTn>
+                  </p:par>
+                  <p:par>
+                    <p:cTn id="41" fill="hold">
+                      <p:stCondLst>
+                        <p:cond delay="indefinite"/>
+                      </p:stCondLst>
+                      <p:childTnLst>
+                        <p:par>
+                          <p:cTn id="42" fill="hold">
+                            <p:stCondLst>
+                              <p:cond delay="0"/>
+                            </p:stCondLst>
+                            <p:childTnLst>
+                              <p:par>
+                                <p:cTn id="43" presetID="1" presetClass="entr" presetSubtype="0" fill="hold" nodeType="clickEffect">
+                                  <p:stCondLst>
+                                    <p:cond delay="0"/>
+                                  </p:stCondLst>
+                                  <p:childTnLst>
+                                    <p:set>
+                                      <p:cBhvr>
+                                        <p:cTn id="44" dur="1" fill="hold">
+                                          <p:stCondLst>
+                                            <p:cond delay="0"/>
+                                          </p:stCondLst>
+                                        </p:cTn>
+                                        <p:tgtEl>
+                                          <p:spTgt spid="5">
+                                            <p:txEl>
+                                              <p:pRg st="12" end="12"/>
+                                            </p:txEl>
+                                          </p:spTgt>
+                                        </p:tgtEl>
+                                        <p:attrNameLst>
+                                          <p:attrName>style.visibility</p:attrName>
+                                        </p:attrNameLst>
+                                      </p:cBhvr>
+                                      <p:to>
+                                        <p:strVal val="visible"/>
+                                      </p:to>
+                                    </p:set>
+                                  </p:childTnLst>
+                                </p:cTn>
+                              </p:par>
+                            </p:childTnLst>
+                          </p:cTn>
+                        </p:par>
+                      </p:childTnLst>
+                    </p:cTn>
+                  </p:par>
+                  <p:par>
+                    <p:cTn id="45" fill="hold">
+                      <p:stCondLst>
+                        <p:cond delay="indefinite"/>
+                      </p:stCondLst>
+                      <p:childTnLst>
+                        <p:par>
+                          <p:cTn id="46" fill="hold">
+                            <p:stCondLst>
+                              <p:cond delay="0"/>
+                            </p:stCondLst>
+                            <p:childTnLst>
+                              <p:par>
+                                <p:cTn id="47" presetID="1" presetClass="entr" presetSubtype="0" fill="hold" nodeType="clickEffect">
+                                  <p:stCondLst>
+                                    <p:cond delay="0"/>
+                                  </p:stCondLst>
+                                  <p:childTnLst>
+                                    <p:set>
+                                      <p:cBhvr>
+                                        <p:cTn id="48" dur="1" fill="hold">
+                                          <p:stCondLst>
+                                            <p:cond delay="0"/>
+                                          </p:stCondLst>
+                                        </p:cTn>
+                                        <p:tgtEl>
+                                          <p:spTgt spid="5">
+                                            <p:txEl>
+                                              <p:pRg st="13" end="13"/>
+                                            </p:txEl>
+                                          </p:spTgt>
+                                        </p:tgtEl>
+                                        <p:attrNameLst>
+                                          <p:attrName>style.visibility</p:attrName>
+                                        </p:attrNameLst>
+                                      </p:cBhvr>
+                                      <p:to>
+                                        <p:strVal val="visible"/>
+                                      </p:to>
+                                    </p:set>
+                                  </p:childTnLst>
+                                </p:cTn>
+                              </p:par>
+                            </p:childTnLst>
+                          </p:cTn>
+                        </p:par>
+                      </p:childTnLst>
+                    </p:cTn>
+                  </p:par>
+                  <p:par>
+                    <p:cTn id="49" fill="hold">
+                      <p:stCondLst>
+                        <p:cond delay="indefinite"/>
+                      </p:stCondLst>
+                      <p:childTnLst>
+                        <p:par>
+                          <p:cTn id="50" fill="hold">
+                            <p:stCondLst>
+                              <p:cond delay="0"/>
+                            </p:stCondLst>
+                            <p:childTnLst>
+                              <p:par>
+                                <p:cTn id="51" presetID="1" presetClass="entr" presetSubtype="0" fill="hold" nodeType="clickEffect">
+                                  <p:stCondLst>
+                                    <p:cond delay="0"/>
+                                  </p:stCondLst>
+                                  <p:childTnLst>
+                                    <p:set>
+                                      <p:cBhvr>
+                                        <p:cTn id="52" dur="1" fill="hold">
+                                          <p:stCondLst>
+                                            <p:cond delay="0"/>
+                                          </p:stCondLst>
+                                        </p:cTn>
+                                        <p:tgtEl>
+                                          <p:spTgt spid="5">
+                                            <p:txEl>
+                                              <p:pRg st="14" end="14"/>
+                                            </p:txEl>
+                                          </p:spTgt>
+                                        </p:tgtEl>
+                                        <p:attrNameLst>
+                                          <p:attrName>style.visibility</p:attrName>
+                                        </p:attrNameLst>
+                                      </p:cBhvr>
+                                      <p:to>
+                                        <p:strVal val="visible"/>
+                                      </p:to>
+                                    </p:set>
+                                  </p:childTnLst>
+                                </p:cTn>
+                              </p:par>
+                            </p:childTnLst>
+                          </p:cTn>
+                        </p:par>
+                      </p:childTnLst>
+                    </p:cTn>
+                  </p:par>
+                  <p:par>
+                    <p:cTn id="53" fill="hold">
+                      <p:stCondLst>
+                        <p:cond delay="indefinite"/>
+                      </p:stCondLst>
+                      <p:childTnLst>
+                        <p:par>
+                          <p:cTn id="54" fill="hold">
+                            <p:stCondLst>
+                              <p:cond delay="0"/>
+                            </p:stCondLst>
+                            <p:childTnLst>
+                              <p:par>
+                                <p:cTn id="55" presetID="1" presetClass="entr" presetSubtype="0" fill="hold" nodeType="clickEffect">
+                                  <p:stCondLst>
+                                    <p:cond delay="0"/>
+                                  </p:stCondLst>
+                                  <p:childTnLst>
+                                    <p:set>
+                                      <p:cBhvr>
+                                        <p:cTn id="56" dur="1" fill="hold">
+                                          <p:stCondLst>
+                                            <p:cond delay="0"/>
+                                          </p:stCondLst>
+                                        </p:cTn>
+                                        <p:tgtEl>
+                                          <p:spTgt spid="5">
+                                            <p:txEl>
+                                              <p:pRg st="15" end="15"/>
+                                            </p:txEl>
+                                          </p:spTgt>
+                                        </p:tgtEl>
+                                        <p:attrNameLst>
+                                          <p:attrName>style.visibility</p:attrName>
+                                        </p:attrNameLst>
+                                      </p:cBhvr>
+                                      <p:to>
+                                        <p:strVal val="visible"/>
+                                      </p:to>
+                                    </p:set>
+                                  </p:childTnLst>
+                                </p:cTn>
+                              </p:par>
+                              <p:par>
+                                <p:cTn id="57" presetID="1" presetClass="entr" presetSubtype="0" fill="hold" nodeType="withEffect">
+                                  <p:stCondLst>
+                                    <p:cond delay="0"/>
+                                  </p:stCondLst>
+                                  <p:childTnLst>
+                                    <p:set>
+                                      <p:cBhvr>
+                                        <p:cTn id="58" dur="1" fill="hold">
+                                          <p:stCondLst>
+                                            <p:cond delay="0"/>
+                                          </p:stCondLst>
+                                        </p:cTn>
+                                        <p:tgtEl>
+                                          <p:spTgt spid="5">
+                                            <p:txEl>
+                                              <p:pRg st="16" end="16"/>
+                                            </p:txEl>
+                                          </p:spTgt>
+                                        </p:tgtEl>
+                                        <p:attrNameLst>
+                                          <p:attrName>style.visibility</p:attrName>
+                                        </p:attrNameLst>
+                                      </p:cBhvr>
+                                      <p:to>
+                                        <p:strVal val="visible"/>
+                                      </p:to>
+                                    </p:set>
+                                  </p:childTnLst>
+                                </p:cTn>
+                              </p:par>
+                            </p:childTnLst>
+                          </p:cTn>
+                        </p:par>
+                      </p:childTnLst>
+                    </p:cTn>
+                  </p:par>
+                  <p:par>
+                    <p:cTn id="59" fill="hold">
+                      <p:stCondLst>
+                        <p:cond delay="indefinite"/>
+                      </p:stCondLst>
+                      <p:childTnLst>
+                        <p:par>
+                          <p:cTn id="60" fill="hold">
+                            <p:stCondLst>
+                              <p:cond delay="0"/>
+                            </p:stCondLst>
+                            <p:childTnLst>
+                              <p:par>
+                                <p:cTn id="61" presetID="1" presetClass="entr" presetSubtype="0" fill="hold" grpId="0" nodeType="clickEffect">
+                                  <p:stCondLst>
+                                    <p:cond delay="0"/>
+                                  </p:stCondLst>
+                                  <p:childTnLst>
+                                    <p:set>
+                                      <p:cBhvr>
+                                        <p:cTn id="62" dur="1" fill="hold">
+                                          <p:stCondLst>
+                                            <p:cond delay="0"/>
+                                          </p:stCondLst>
+                                        </p:cTn>
+                                        <p:tgtEl>
+                                          <p:spTgt spid="7"/>
+                                        </p:tgtEl>
+                                        <p:attrNameLst>
+                                          <p:attrName>style.visibility</p:attrName>
+                                        </p:attrNameLst>
+                                      </p:cBhvr>
+                                      <p:to>
+                                        <p:strVal val="visible"/>
+                                      </p:to>
+                                    </p:set>
+                                  </p:childTnLst>
+                                </p:cTn>
+                              </p:par>
+                            </p:childTnLst>
+                          </p:cTn>
+                        </p:par>
+                      </p:childTnLst>
+                    </p:cTn>
+                  </p:par>
+                </p:childTnLst>
+              </p:cTn>
+              <p:prevCondLst>
+                <p:cond evt="onPrev" delay="0">
+                  <p:tgtEl>
+                    <p:sldTgt/>
+                  </p:tgtEl>
+                </p:cond>
+              </p:prevCondLst>
+              <p:nextCondLst>
+                <p:cond evt="onNext" delay="0">
+                  <p:tgtEl>
+                    <p:sldTgt/>
+                  </p:tgtEl>
+                </p:cond>
+              </p:nextCondLst>
+            </p:seq>
+          </p:childTnLst>
+        </p:cTn>
+      </p:par>
+    </p:tnLst>
+    <p:bldLst>
+      <p:bldP spid="6" grpId="0"/>
+      <p:bldP spid="7" grpId="0"/>
+    </p:bldLst>
+  </p:timing>
 </p:sld>
 </file>
 
@@ -19937,6 +21823,571 @@
   <p:clrMapOvr>
     <a:masterClrMapping/>
   </p:clrMapOvr>
+  <p:timing>
+    <p:tnLst>
+      <p:par>
+        <p:cTn id="1" dur="indefinite" restart="never" nodeType="tmRoot">
+          <p:childTnLst>
+            <p:seq concurrent="1" nextAc="seek">
+              <p:cTn id="2" dur="indefinite" nodeType="mainSeq">
+                <p:childTnLst>
+                  <p:par>
+                    <p:cTn id="3" fill="hold">
+                      <p:stCondLst>
+                        <p:cond delay="indefinite"/>
+                      </p:stCondLst>
+                      <p:childTnLst>
+                        <p:par>
+                          <p:cTn id="4" fill="hold">
+                            <p:stCondLst>
+                              <p:cond delay="0"/>
+                            </p:stCondLst>
+                            <p:childTnLst>
+                              <p:par>
+                                <p:cTn id="5" presetID="1" presetClass="entr" presetSubtype="0" fill="hold" nodeType="clickEffect">
+                                  <p:stCondLst>
+                                    <p:cond delay="0"/>
+                                  </p:stCondLst>
+                                  <p:childTnLst>
+                                    <p:set>
+                                      <p:cBhvr>
+                                        <p:cTn id="6" dur="1" fill="hold">
+                                          <p:stCondLst>
+                                            <p:cond delay="0"/>
+                                          </p:stCondLst>
+                                        </p:cTn>
+                                        <p:tgtEl>
+                                          <p:spTgt spid="4">
+                                            <p:txEl>
+                                              <p:pRg st="0" end="0"/>
+                                            </p:txEl>
+                                          </p:spTgt>
+                                        </p:tgtEl>
+                                        <p:attrNameLst>
+                                          <p:attrName>style.visibility</p:attrName>
+                                        </p:attrNameLst>
+                                      </p:cBhvr>
+                                      <p:to>
+                                        <p:strVal val="visible"/>
+                                      </p:to>
+                                    </p:set>
+                                  </p:childTnLst>
+                                </p:cTn>
+                              </p:par>
+                            </p:childTnLst>
+                          </p:cTn>
+                        </p:par>
+                      </p:childTnLst>
+                    </p:cTn>
+                  </p:par>
+                  <p:par>
+                    <p:cTn id="7" fill="hold">
+                      <p:stCondLst>
+                        <p:cond delay="indefinite"/>
+                      </p:stCondLst>
+                      <p:childTnLst>
+                        <p:par>
+                          <p:cTn id="8" fill="hold">
+                            <p:stCondLst>
+                              <p:cond delay="0"/>
+                            </p:stCondLst>
+                            <p:childTnLst>
+                              <p:par>
+                                <p:cTn id="9" presetID="1" presetClass="entr" presetSubtype="0" fill="hold" nodeType="clickEffect">
+                                  <p:stCondLst>
+                                    <p:cond delay="0"/>
+                                  </p:stCondLst>
+                                  <p:childTnLst>
+                                    <p:set>
+                                      <p:cBhvr>
+                                        <p:cTn id="10" dur="1" fill="hold">
+                                          <p:stCondLst>
+                                            <p:cond delay="0"/>
+                                          </p:stCondLst>
+                                        </p:cTn>
+                                        <p:tgtEl>
+                                          <p:spTgt spid="4">
+                                            <p:txEl>
+                                              <p:pRg st="1" end="1"/>
+                                            </p:txEl>
+                                          </p:spTgt>
+                                        </p:tgtEl>
+                                        <p:attrNameLst>
+                                          <p:attrName>style.visibility</p:attrName>
+                                        </p:attrNameLst>
+                                      </p:cBhvr>
+                                      <p:to>
+                                        <p:strVal val="visible"/>
+                                      </p:to>
+                                    </p:set>
+                                  </p:childTnLst>
+                                </p:cTn>
+                              </p:par>
+                            </p:childTnLst>
+                          </p:cTn>
+                        </p:par>
+                      </p:childTnLst>
+                    </p:cTn>
+                  </p:par>
+                  <p:par>
+                    <p:cTn id="11" fill="hold">
+                      <p:stCondLst>
+                        <p:cond delay="indefinite"/>
+                      </p:stCondLst>
+                      <p:childTnLst>
+                        <p:par>
+                          <p:cTn id="12" fill="hold">
+                            <p:stCondLst>
+                              <p:cond delay="0"/>
+                            </p:stCondLst>
+                            <p:childTnLst>
+                              <p:par>
+                                <p:cTn id="13" presetID="1" presetClass="entr" presetSubtype="0" fill="hold" nodeType="clickEffect">
+                                  <p:stCondLst>
+                                    <p:cond delay="0"/>
+                                  </p:stCondLst>
+                                  <p:childTnLst>
+                                    <p:set>
+                                      <p:cBhvr>
+                                        <p:cTn id="14" dur="1" fill="hold">
+                                          <p:stCondLst>
+                                            <p:cond delay="0"/>
+                                          </p:stCondLst>
+                                        </p:cTn>
+                                        <p:tgtEl>
+                                          <p:spTgt spid="4">
+                                            <p:txEl>
+                                              <p:pRg st="3" end="3"/>
+                                            </p:txEl>
+                                          </p:spTgt>
+                                        </p:tgtEl>
+                                        <p:attrNameLst>
+                                          <p:attrName>style.visibility</p:attrName>
+                                        </p:attrNameLst>
+                                      </p:cBhvr>
+                                      <p:to>
+                                        <p:strVal val="visible"/>
+                                      </p:to>
+                                    </p:set>
+                                  </p:childTnLst>
+                                </p:cTn>
+                              </p:par>
+                            </p:childTnLst>
+                          </p:cTn>
+                        </p:par>
+                      </p:childTnLst>
+                    </p:cTn>
+                  </p:par>
+                  <p:par>
+                    <p:cTn id="15" fill="hold">
+                      <p:stCondLst>
+                        <p:cond delay="indefinite"/>
+                      </p:stCondLst>
+                      <p:childTnLst>
+                        <p:par>
+                          <p:cTn id="16" fill="hold">
+                            <p:stCondLst>
+                              <p:cond delay="0"/>
+                            </p:stCondLst>
+                            <p:childTnLst>
+                              <p:par>
+                                <p:cTn id="17" presetID="1" presetClass="entr" presetSubtype="0" fill="hold" nodeType="clickEffect">
+                                  <p:stCondLst>
+                                    <p:cond delay="0"/>
+                                  </p:stCondLst>
+                                  <p:childTnLst>
+                                    <p:set>
+                                      <p:cBhvr>
+                                        <p:cTn id="18" dur="1" fill="hold">
+                                          <p:stCondLst>
+                                            <p:cond delay="0"/>
+                                          </p:stCondLst>
+                                        </p:cTn>
+                                        <p:tgtEl>
+                                          <p:spTgt spid="4">
+                                            <p:txEl>
+                                              <p:pRg st="5" end="5"/>
+                                            </p:txEl>
+                                          </p:spTgt>
+                                        </p:tgtEl>
+                                        <p:attrNameLst>
+                                          <p:attrName>style.visibility</p:attrName>
+                                        </p:attrNameLst>
+                                      </p:cBhvr>
+                                      <p:to>
+                                        <p:strVal val="visible"/>
+                                      </p:to>
+                                    </p:set>
+                                  </p:childTnLst>
+                                </p:cTn>
+                              </p:par>
+                            </p:childTnLst>
+                          </p:cTn>
+                        </p:par>
+                      </p:childTnLst>
+                    </p:cTn>
+                  </p:par>
+                  <p:par>
+                    <p:cTn id="19" fill="hold">
+                      <p:stCondLst>
+                        <p:cond delay="indefinite"/>
+                      </p:stCondLst>
+                      <p:childTnLst>
+                        <p:par>
+                          <p:cTn id="20" fill="hold">
+                            <p:stCondLst>
+                              <p:cond delay="0"/>
+                            </p:stCondLst>
+                            <p:childTnLst>
+                              <p:par>
+                                <p:cTn id="21" presetID="1" presetClass="entr" presetSubtype="0" fill="hold" nodeType="clickEffect">
+                                  <p:stCondLst>
+                                    <p:cond delay="0"/>
+                                  </p:stCondLst>
+                                  <p:childTnLst>
+                                    <p:set>
+                                      <p:cBhvr>
+                                        <p:cTn id="22" dur="1" fill="hold">
+                                          <p:stCondLst>
+                                            <p:cond delay="0"/>
+                                          </p:stCondLst>
+                                        </p:cTn>
+                                        <p:tgtEl>
+                                          <p:spTgt spid="4">
+                                            <p:txEl>
+                                              <p:pRg st="7" end="7"/>
+                                            </p:txEl>
+                                          </p:spTgt>
+                                        </p:tgtEl>
+                                        <p:attrNameLst>
+                                          <p:attrName>style.visibility</p:attrName>
+                                        </p:attrNameLst>
+                                      </p:cBhvr>
+                                      <p:to>
+                                        <p:strVal val="visible"/>
+                                      </p:to>
+                                    </p:set>
+                                  </p:childTnLst>
+                                </p:cTn>
+                              </p:par>
+                            </p:childTnLst>
+                          </p:cTn>
+                        </p:par>
+                      </p:childTnLst>
+                    </p:cTn>
+                  </p:par>
+                  <p:par>
+                    <p:cTn id="23" fill="hold">
+                      <p:stCondLst>
+                        <p:cond delay="indefinite"/>
+                      </p:stCondLst>
+                      <p:childTnLst>
+                        <p:par>
+                          <p:cTn id="24" fill="hold">
+                            <p:stCondLst>
+                              <p:cond delay="0"/>
+                            </p:stCondLst>
+                            <p:childTnLst>
+                              <p:par>
+                                <p:cTn id="25" presetID="1" presetClass="entr" presetSubtype="0" fill="hold" nodeType="clickEffect">
+                                  <p:stCondLst>
+                                    <p:cond delay="0"/>
+                                  </p:stCondLst>
+                                  <p:childTnLst>
+                                    <p:set>
+                                      <p:cBhvr>
+                                        <p:cTn id="26" dur="1" fill="hold">
+                                          <p:stCondLst>
+                                            <p:cond delay="0"/>
+                                          </p:stCondLst>
+                                        </p:cTn>
+                                        <p:tgtEl>
+                                          <p:spTgt spid="4">
+                                            <p:txEl>
+                                              <p:pRg st="8" end="8"/>
+                                            </p:txEl>
+                                          </p:spTgt>
+                                        </p:tgtEl>
+                                        <p:attrNameLst>
+                                          <p:attrName>style.visibility</p:attrName>
+                                        </p:attrNameLst>
+                                      </p:cBhvr>
+                                      <p:to>
+                                        <p:strVal val="visible"/>
+                                      </p:to>
+                                    </p:set>
+                                  </p:childTnLst>
+                                </p:cTn>
+                              </p:par>
+                            </p:childTnLst>
+                          </p:cTn>
+                        </p:par>
+                      </p:childTnLst>
+                    </p:cTn>
+                  </p:par>
+                  <p:par>
+                    <p:cTn id="27" fill="hold">
+                      <p:stCondLst>
+                        <p:cond delay="indefinite"/>
+                      </p:stCondLst>
+                      <p:childTnLst>
+                        <p:par>
+                          <p:cTn id="28" fill="hold">
+                            <p:stCondLst>
+                              <p:cond delay="0"/>
+                            </p:stCondLst>
+                            <p:childTnLst>
+                              <p:par>
+                                <p:cTn id="29" presetID="1" presetClass="entr" presetSubtype="0" fill="hold" nodeType="clickEffect">
+                                  <p:stCondLst>
+                                    <p:cond delay="0"/>
+                                  </p:stCondLst>
+                                  <p:childTnLst>
+                                    <p:set>
+                                      <p:cBhvr>
+                                        <p:cTn id="30" dur="1" fill="hold">
+                                          <p:stCondLst>
+                                            <p:cond delay="0"/>
+                                          </p:stCondLst>
+                                        </p:cTn>
+                                        <p:tgtEl>
+                                          <p:spTgt spid="4">
+                                            <p:txEl>
+                                              <p:pRg st="9" end="9"/>
+                                            </p:txEl>
+                                          </p:spTgt>
+                                        </p:tgtEl>
+                                        <p:attrNameLst>
+                                          <p:attrName>style.visibility</p:attrName>
+                                        </p:attrNameLst>
+                                      </p:cBhvr>
+                                      <p:to>
+                                        <p:strVal val="visible"/>
+                                      </p:to>
+                                    </p:set>
+                                  </p:childTnLst>
+                                </p:cTn>
+                              </p:par>
+                            </p:childTnLst>
+                          </p:cTn>
+                        </p:par>
+                      </p:childTnLst>
+                    </p:cTn>
+                  </p:par>
+                  <p:par>
+                    <p:cTn id="31" fill="hold">
+                      <p:stCondLst>
+                        <p:cond delay="indefinite"/>
+                      </p:stCondLst>
+                      <p:childTnLst>
+                        <p:par>
+                          <p:cTn id="32" fill="hold">
+                            <p:stCondLst>
+                              <p:cond delay="0"/>
+                            </p:stCondLst>
+                            <p:childTnLst>
+                              <p:par>
+                                <p:cTn id="33" presetID="1" presetClass="entr" presetSubtype="0" fill="hold" nodeType="clickEffect">
+                                  <p:stCondLst>
+                                    <p:cond delay="0"/>
+                                  </p:stCondLst>
+                                  <p:childTnLst>
+                                    <p:set>
+                                      <p:cBhvr>
+                                        <p:cTn id="34" dur="1" fill="hold">
+                                          <p:stCondLst>
+                                            <p:cond delay="0"/>
+                                          </p:stCondLst>
+                                        </p:cTn>
+                                        <p:tgtEl>
+                                          <p:spTgt spid="4">
+                                            <p:txEl>
+                                              <p:pRg st="10" end="10"/>
+                                            </p:txEl>
+                                          </p:spTgt>
+                                        </p:tgtEl>
+                                        <p:attrNameLst>
+                                          <p:attrName>style.visibility</p:attrName>
+                                        </p:attrNameLst>
+                                      </p:cBhvr>
+                                      <p:to>
+                                        <p:strVal val="visible"/>
+                                      </p:to>
+                                    </p:set>
+                                  </p:childTnLst>
+                                </p:cTn>
+                              </p:par>
+                            </p:childTnLst>
+                          </p:cTn>
+                        </p:par>
+                      </p:childTnLst>
+                    </p:cTn>
+                  </p:par>
+                  <p:par>
+                    <p:cTn id="35" fill="hold">
+                      <p:stCondLst>
+                        <p:cond delay="indefinite"/>
+                      </p:stCondLst>
+                      <p:childTnLst>
+                        <p:par>
+                          <p:cTn id="36" fill="hold">
+                            <p:stCondLst>
+                              <p:cond delay="0"/>
+                            </p:stCondLst>
+                            <p:childTnLst>
+                              <p:par>
+                                <p:cTn id="37" presetID="1" presetClass="entr" presetSubtype="0" fill="hold" nodeType="clickEffect">
+                                  <p:stCondLst>
+                                    <p:cond delay="0"/>
+                                  </p:stCondLst>
+                                  <p:childTnLst>
+                                    <p:set>
+                                      <p:cBhvr>
+                                        <p:cTn id="38" dur="1" fill="hold">
+                                          <p:stCondLst>
+                                            <p:cond delay="0"/>
+                                          </p:stCondLst>
+                                        </p:cTn>
+                                        <p:tgtEl>
+                                          <p:spTgt spid="4">
+                                            <p:txEl>
+                                              <p:pRg st="11" end="11"/>
+                                            </p:txEl>
+                                          </p:spTgt>
+                                        </p:tgtEl>
+                                        <p:attrNameLst>
+                                          <p:attrName>style.visibility</p:attrName>
+                                        </p:attrNameLst>
+                                      </p:cBhvr>
+                                      <p:to>
+                                        <p:strVal val="visible"/>
+                                      </p:to>
+                                    </p:set>
+                                  </p:childTnLst>
+                                </p:cTn>
+                              </p:par>
+                            </p:childTnLst>
+                          </p:cTn>
+                        </p:par>
+                      </p:childTnLst>
+                    </p:cTn>
+                  </p:par>
+                  <p:par>
+                    <p:cTn id="39" fill="hold">
+                      <p:stCondLst>
+                        <p:cond delay="indefinite"/>
+                      </p:stCondLst>
+                      <p:childTnLst>
+                        <p:par>
+                          <p:cTn id="40" fill="hold">
+                            <p:stCondLst>
+                              <p:cond delay="0"/>
+                            </p:stCondLst>
+                            <p:childTnLst>
+                              <p:par>
+                                <p:cTn id="41" presetID="1" presetClass="entr" presetSubtype="0" fill="hold" nodeType="clickEffect">
+                                  <p:stCondLst>
+                                    <p:cond delay="0"/>
+                                  </p:stCondLst>
+                                  <p:childTnLst>
+                                    <p:set>
+                                      <p:cBhvr>
+                                        <p:cTn id="42" dur="1" fill="hold">
+                                          <p:stCondLst>
+                                            <p:cond delay="0"/>
+                                          </p:stCondLst>
+                                        </p:cTn>
+                                        <p:tgtEl>
+                                          <p:spTgt spid="5"/>
+                                        </p:tgtEl>
+                                        <p:attrNameLst>
+                                          <p:attrName>style.visibility</p:attrName>
+                                        </p:attrNameLst>
+                                      </p:cBhvr>
+                                      <p:to>
+                                        <p:strVal val="visible"/>
+                                      </p:to>
+                                    </p:set>
+                                  </p:childTnLst>
+                                </p:cTn>
+                              </p:par>
+                            </p:childTnLst>
+                          </p:cTn>
+                        </p:par>
+                      </p:childTnLst>
+                    </p:cTn>
+                  </p:par>
+                  <p:par>
+                    <p:cTn id="43" fill="hold">
+                      <p:stCondLst>
+                        <p:cond delay="indefinite"/>
+                      </p:stCondLst>
+                      <p:childTnLst>
+                        <p:par>
+                          <p:cTn id="44" fill="hold">
+                            <p:stCondLst>
+                              <p:cond delay="0"/>
+                            </p:stCondLst>
+                            <p:childTnLst>
+                              <p:par>
+                                <p:cTn id="45" presetID="1" presetClass="entr" presetSubtype="0" fill="hold" nodeType="clickEffect">
+                                  <p:stCondLst>
+                                    <p:cond delay="0"/>
+                                  </p:stCondLst>
+                                  <p:childTnLst>
+                                    <p:set>
+                                      <p:cBhvr>
+                                        <p:cTn id="46" dur="1" fill="hold">
+                                          <p:stCondLst>
+                                            <p:cond delay="0"/>
+                                          </p:stCondLst>
+                                        </p:cTn>
+                                        <p:tgtEl>
+                                          <p:spTgt spid="4">
+                                            <p:txEl>
+                                              <p:pRg st="16" end="16"/>
+                                            </p:txEl>
+                                          </p:spTgt>
+                                        </p:tgtEl>
+                                        <p:attrNameLst>
+                                          <p:attrName>style.visibility</p:attrName>
+                                        </p:attrNameLst>
+                                      </p:cBhvr>
+                                      <p:to>
+                                        <p:strVal val="visible"/>
+                                      </p:to>
+                                    </p:set>
+                                  </p:childTnLst>
+                                </p:cTn>
+                              </p:par>
+                            </p:childTnLst>
+                          </p:cTn>
+                        </p:par>
+                      </p:childTnLst>
+                    </p:cTn>
+                  </p:par>
+                </p:childTnLst>
+              </p:cTn>
+              <p:prevCondLst>
+                <p:cond evt="onPrev" delay="0">
+                  <p:tgtEl>
+                    <p:sldTgt/>
+                  </p:tgtEl>
+                </p:cond>
+              </p:prevCondLst>
+              <p:nextCondLst>
+                <p:cond evt="onNext" delay="0">
+                  <p:tgtEl>
+                    <p:sldTgt/>
+                  </p:tgtEl>
+                </p:cond>
+              </p:nextCondLst>
+            </p:seq>
+          </p:childTnLst>
+        </p:cTn>
+      </p:par>
+    </p:tnLst>
+  </p:timing>
 </p:sld>
 </file>
 
